--- a/BI Project Presentation .pptx
+++ b/BI Project Presentation .pptx
@@ -306,7 +306,7 @@
       </p15:sldGuideLst>
     </p:ext>
     <p:ext uri="http://customooxmlschemas.google.com/">
-      <go:slidesCustomData xmlns="" xmlns:mc="http://schemas.openxmlformats.org/markup-compatibility/2006" xmlns:mv="urn:schemas-microsoft-com:mac:vml" xmlns:c="http://schemas.openxmlformats.org/drawingml/2006/chart" xmlns:dgm="http://schemas.openxmlformats.org/drawingml/2006/diagram" xmlns:o="urn:schemas-microsoft-com:office:office" xmlns:v="urn:schemas-microsoft-com:vml" xmlns:pvml="urn:schemas-microsoft-com:office:powerpoint" xmlns:com="http://schemas.openxmlformats.org/drawingml/2006/compatibility" xmlns:p14="http://schemas.microsoft.com/office/powerpoint/2010/main" xmlns:p15="http://schemas.microsoft.com/office/powerpoint/2012/main" xmlns:ahyp="http://schemas.microsoft.com/office/drawing/2018/hyperlinkcolor" xmlns:go="http://customooxmlschemas.google.com/" r:id="rId39" roundtripDataSignature="AMtx7miWp6OVRFIEJEE/HXDsa9FfFDJuqg=="/>
+      <go:slidesCustomData xmlns:go="http://customooxmlschemas.google.com/" xmlns:ahyp="http://schemas.microsoft.com/office/drawing/2018/hyperlinkcolor" xmlns:p15="http://schemas.microsoft.com/office/powerpoint/2012/main" xmlns:p14="http://schemas.microsoft.com/office/powerpoint/2010/main" xmlns:com="http://schemas.openxmlformats.org/drawingml/2006/compatibility" xmlns:pvml="urn:schemas-microsoft-com:office:powerpoint" xmlns:v="urn:schemas-microsoft-com:vml" xmlns:o="urn:schemas-microsoft-com:office:office" xmlns:dgm="http://schemas.openxmlformats.org/drawingml/2006/diagram" xmlns:c="http://schemas.openxmlformats.org/drawingml/2006/chart" xmlns:mv="urn:schemas-microsoft-com:mac:vml" xmlns:mc="http://schemas.openxmlformats.org/markup-compatibility/2006" xmlns="" r:id="rId39" roundtripDataSignature="AMtx7miWp6OVRFIEJEE/HXDsa9FfFDJuqg=="/>
     </p:ext>
   </p:extLst>
 </p:presentation>
@@ -7399,7 +7399,7 @@
         </p:nvSpPr>
         <p:spPr>
           <a:xfrm>
-            <a:off x="1032346" y="1258840"/>
+            <a:off x="1145235" y="2571750"/>
             <a:ext cx="7090927" cy="1477328"/>
           </a:xfrm>
         </p:spPr>
@@ -8782,7 +8782,7 @@
                   <a:srgbClr val="666666"/>
                 </a:solidFill>
               </a:rPr>
-              <a:t>Solution 2: .Optimize a highly secure mobile application and introduce a two-step authentication mechanism to ensure that each transaction originates from the card owner.</a:t>
+              <a:t>Solution 2: Optimize a highly secure mobile application and introduce a two-step authentication mechanism to ensure that each transaction originates from the card owner.</a:t>
             </a:r>
           </a:p>
           <a:p>
@@ -20950,7 +20950,7 @@
         <p:spPr>
           <a:xfrm>
             <a:off x="802475" y="1177159"/>
-            <a:ext cx="4713000" cy="3706143"/>
+            <a:ext cx="4713000" cy="4075475"/>
           </a:xfrm>
           <a:prstGeom prst="rect">
             <a:avLst/>
@@ -21177,6 +21177,58 @@
                 <a:cs typeface="Tahoma"/>
                 <a:sym typeface="Tahoma"/>
               </a:rPr>
+              <a:t>Slideshow made by </a:t>
+            </a:r>
+            <a:r>
+              <a:rPr lang="en-US" sz="1600" dirty="0" err="1">
+                <a:solidFill>
+                  <a:srgbClr val="595959"/>
+                </a:solidFill>
+                <a:latin typeface="Tahoma"/>
+                <a:ea typeface="Tahoma"/>
+                <a:cs typeface="Tahoma"/>
+                <a:sym typeface="Tahoma"/>
+              </a:rPr>
+              <a:t>powerpoint</a:t>
+            </a:r>
+            <a:endParaRPr lang="en-US" sz="1600" dirty="0">
+              <a:solidFill>
+                <a:srgbClr val="595959"/>
+              </a:solidFill>
+              <a:latin typeface="Tahoma"/>
+              <a:ea typeface="Tahoma"/>
+              <a:cs typeface="Tahoma"/>
+              <a:sym typeface="Tahoma"/>
+            </a:endParaRPr>
+          </a:p>
+          <a:p>
+            <a:pPr marL="457200" lvl="0" indent="-330200" algn="l" rtl="0">
+              <a:lnSpc>
+                <a:spcPct val="150000"/>
+              </a:lnSpc>
+              <a:spcBef>
+                <a:spcPts val="0"/>
+              </a:spcBef>
+              <a:spcAft>
+                <a:spcPts val="0"/>
+              </a:spcAft>
+              <a:buClr>
+                <a:srgbClr val="595959"/>
+              </a:buClr>
+              <a:buSzPts val="1600"/>
+              <a:buFont typeface="Tahoma"/>
+              <a:buChar char="❏"/>
+            </a:pPr>
+            <a:r>
+              <a:rPr lang="en-US" sz="1600" dirty="0">
+                <a:solidFill>
+                  <a:srgbClr val="595959"/>
+                </a:solidFill>
+                <a:latin typeface="Tahoma"/>
+                <a:ea typeface="Tahoma"/>
+                <a:cs typeface="Tahoma"/>
+                <a:sym typeface="Tahoma"/>
+              </a:rPr>
               <a:t>Two optimal solutions were found</a:t>
             </a:r>
           </a:p>
@@ -21237,33 +21289,6 @@
           </a:p>
         </p:txBody>
       </p:sp>
-      <p:pic>
-        <p:nvPicPr>
-          <p:cNvPr id="131" name="Google Shape;131;p3"/>
-          <p:cNvPicPr preferRelativeResize="0"/>
-          <p:nvPr/>
-        </p:nvPicPr>
-        <p:blipFill rotWithShape="1">
-          <a:blip r:embed="rId3">
-            <a:alphaModFix/>
-          </a:blip>
-          <a:srcRect l="15393" t="14261" r="15393" b="14254"/>
-          <a:stretch/>
-        </p:blipFill>
-        <p:spPr>
-          <a:xfrm>
-            <a:off x="5695300" y="1053163"/>
-            <a:ext cx="3247050" cy="3353424"/>
-          </a:xfrm>
-          <a:prstGeom prst="rect">
-            <a:avLst/>
-          </a:prstGeom>
-          <a:noFill/>
-          <a:ln>
-            <a:noFill/>
-          </a:ln>
-        </p:spPr>
-      </p:pic>
       <p:sp>
         <p:nvSpPr>
           <p:cNvPr id="132" name="Google Shape;132;p3"/>

--- a/BI Project Presentation .pptx
+++ b/BI Project Presentation .pptx
@@ -306,7 +306,7 @@
       </p15:sldGuideLst>
     </p:ext>
     <p:ext uri="http://customooxmlschemas.google.com/">
-      <go:slidesCustomData xmlns:go="http://customooxmlschemas.google.com/" xmlns:ahyp="http://schemas.microsoft.com/office/drawing/2018/hyperlinkcolor" xmlns:p15="http://schemas.microsoft.com/office/powerpoint/2012/main" xmlns:p14="http://schemas.microsoft.com/office/powerpoint/2010/main" xmlns:com="http://schemas.openxmlformats.org/drawingml/2006/compatibility" xmlns:pvml="urn:schemas-microsoft-com:office:powerpoint" xmlns:v="urn:schemas-microsoft-com:vml" xmlns:o="urn:schemas-microsoft-com:office:office" xmlns:dgm="http://schemas.openxmlformats.org/drawingml/2006/diagram" xmlns:c="http://schemas.openxmlformats.org/drawingml/2006/chart" xmlns:mv="urn:schemas-microsoft-com:mac:vml" xmlns:mc="http://schemas.openxmlformats.org/markup-compatibility/2006" xmlns="" r:id="rId39" roundtripDataSignature="AMtx7miWp6OVRFIEJEE/HXDsa9FfFDJuqg=="/>
+      <go:slidesCustomData xmlns="" xmlns:mc="http://schemas.openxmlformats.org/markup-compatibility/2006" xmlns:mv="urn:schemas-microsoft-com:mac:vml" xmlns:c="http://schemas.openxmlformats.org/drawingml/2006/chart" xmlns:dgm="http://schemas.openxmlformats.org/drawingml/2006/diagram" xmlns:o="urn:schemas-microsoft-com:office:office" xmlns:v="urn:schemas-microsoft-com:vml" xmlns:pvml="urn:schemas-microsoft-com:office:powerpoint" xmlns:com="http://schemas.openxmlformats.org/drawingml/2006/compatibility" xmlns:p14="http://schemas.microsoft.com/office/powerpoint/2010/main" xmlns:p15="http://schemas.microsoft.com/office/powerpoint/2012/main" xmlns:ahyp="http://schemas.microsoft.com/office/drawing/2018/hyperlinkcolor" xmlns:go="http://customooxmlschemas.google.com/" r:id="rId39" roundtripDataSignature="AMtx7miWp6OVRFIEJEE/HXDsa9FfFDJuqg=="/>
     </p:ext>
   </p:extLst>
 </p:presentation>
@@ -14089,7 +14089,7 @@
         <p:spPr>
           <a:xfrm>
             <a:off x="1137684" y="1391803"/>
-            <a:ext cx="6400800" cy="1477328"/>
+            <a:ext cx="6400800" cy="3139321"/>
           </a:xfrm>
         </p:spPr>
         <p:txBody>
@@ -14117,13 +14117,6 @@
               <a:buFont typeface="Arial" panose="020B0604020202020204" pitchFamily="34" charset="0"/>
               <a:buChar char="•"/>
             </a:pPr>
-            <a:endParaRPr lang="fr-HT" dirty="0"/>
-          </a:p>
-          <a:p>
-            <a:pPr marL="514350" indent="-285750">
-              <a:buFont typeface="Arial" panose="020B0604020202020204" pitchFamily="34" charset="0"/>
-              <a:buChar char="•"/>
-            </a:pPr>
             <a:r>
               <a:rPr lang="fr-HT" dirty="0">
                 <a:hlinkClick r:id="rId3"/>
@@ -14134,6 +14127,163 @@
               <a:rPr lang="fr-HT" dirty="0"/>
               <a:t> </a:t>
             </a:r>
+          </a:p>
+          <a:p>
+            <a:pPr marL="457200" algn="just" rtl="0" fontAlgn="base">
+              <a:spcBef>
+                <a:spcPts val="0"/>
+              </a:spcBef>
+              <a:spcAft>
+                <a:spcPts val="0"/>
+              </a:spcAft>
+              <a:buFont typeface="Arial" panose="020B0604020202020204" pitchFamily="34" charset="0"/>
+              <a:buChar char="•"/>
+            </a:pPr>
+            <a:r>
+              <a:rPr lang="fr-HT" sz="1800" u="sng" dirty="0" err="1">
+                <a:solidFill>
+                  <a:srgbClr val="1155CC"/>
+                </a:solidFill>
+                <a:latin typeface="Times New Roman" panose="02020603050405020304" pitchFamily="18" charset="0"/>
+                <a:hlinkClick r:id="rId4"/>
+              </a:rPr>
+              <a:t>Fraud</a:t>
+            </a:r>
+            <a:r>
+              <a:rPr lang="fr-HT" sz="1800" u="sng" dirty="0">
+                <a:solidFill>
+                  <a:srgbClr val="1155CC"/>
+                </a:solidFill>
+                <a:latin typeface="Times New Roman" panose="02020603050405020304" pitchFamily="18" charset="0"/>
+                <a:hlinkClick r:id="rId4"/>
+              </a:rPr>
+              <a:t> </a:t>
+            </a:r>
+            <a:r>
+              <a:rPr lang="fr-HT" sz="1800" u="sng" dirty="0" err="1">
+                <a:solidFill>
+                  <a:srgbClr val="1155CC"/>
+                </a:solidFill>
+                <a:latin typeface="Times New Roman" panose="02020603050405020304" pitchFamily="18" charset="0"/>
+                <a:hlinkClick r:id="rId4"/>
+              </a:rPr>
+              <a:t>Detection</a:t>
+            </a:r>
+            <a:r>
+              <a:rPr lang="fr-HT" sz="1800" u="sng" dirty="0">
+                <a:solidFill>
+                  <a:srgbClr val="1155CC"/>
+                </a:solidFill>
+                <a:latin typeface="Times New Roman" panose="02020603050405020304" pitchFamily="18" charset="0"/>
+              </a:rPr>
+              <a:t> </a:t>
+            </a:r>
+          </a:p>
+          <a:p>
+            <a:pPr marL="457200" algn="just" rtl="0" fontAlgn="base">
+              <a:spcBef>
+                <a:spcPts val="0"/>
+              </a:spcBef>
+              <a:spcAft>
+                <a:spcPts val="0"/>
+              </a:spcAft>
+              <a:buFont typeface="Arial" panose="020B0604020202020204" pitchFamily="34" charset="0"/>
+              <a:buChar char="•"/>
+            </a:pPr>
+            <a:r>
+              <a:rPr lang="fr-HT" sz="1800" u="sng" dirty="0">
+                <a:solidFill>
+                  <a:srgbClr val="1155CC"/>
+                </a:solidFill>
+                <a:latin typeface="Times New Roman" panose="02020603050405020304" pitchFamily="18" charset="0"/>
+                <a:hlinkClick r:id="rId5"/>
+              </a:rPr>
+              <a:t>Machine Learning </a:t>
+            </a:r>
+            <a:endParaRPr lang="fr-HT" sz="1800" u="sng" dirty="0">
+              <a:solidFill>
+                <a:srgbClr val="1155CC"/>
+              </a:solidFill>
+              <a:latin typeface="Times New Roman" panose="02020603050405020304" pitchFamily="18" charset="0"/>
+            </a:endParaRPr>
+          </a:p>
+          <a:p>
+            <a:pPr marL="457200" algn="just" rtl="0" fontAlgn="base">
+              <a:spcBef>
+                <a:spcPts val="0"/>
+              </a:spcBef>
+              <a:spcAft>
+                <a:spcPts val="0"/>
+              </a:spcAft>
+              <a:buFont typeface="Arial" panose="020B0604020202020204" pitchFamily="34" charset="0"/>
+              <a:buChar char="•"/>
+            </a:pPr>
+            <a:endParaRPr lang="fr-HT" sz="1800" u="sng" dirty="0">
+              <a:solidFill>
+                <a:srgbClr val="1155CC"/>
+              </a:solidFill>
+              <a:latin typeface="Times New Roman" panose="02020603050405020304" pitchFamily="18" charset="0"/>
+            </a:endParaRPr>
+          </a:p>
+          <a:p>
+            <a:pPr marL="457200" algn="just" rtl="0" fontAlgn="base">
+              <a:spcBef>
+                <a:spcPts val="0"/>
+              </a:spcBef>
+              <a:spcAft>
+                <a:spcPts val="0"/>
+              </a:spcAft>
+              <a:buFont typeface="Arial" panose="020B0604020202020204" pitchFamily="34" charset="0"/>
+              <a:buChar char="•"/>
+            </a:pPr>
+            <a:endParaRPr lang="fr-HT" sz="1800" u="sng" dirty="0">
+              <a:solidFill>
+                <a:srgbClr val="1155CC"/>
+              </a:solidFill>
+              <a:latin typeface="Times New Roman" panose="02020603050405020304" pitchFamily="18" charset="0"/>
+            </a:endParaRPr>
+          </a:p>
+          <a:p>
+            <a:pPr marL="457200" algn="just" rtl="0" fontAlgn="base">
+              <a:spcBef>
+                <a:spcPts val="0"/>
+              </a:spcBef>
+              <a:spcAft>
+                <a:spcPts val="0"/>
+              </a:spcAft>
+              <a:buFont typeface="Arial" panose="020B0604020202020204" pitchFamily="34" charset="0"/>
+              <a:buChar char="•"/>
+            </a:pPr>
+            <a:endParaRPr lang="fr-HT" sz="1800" u="sng" dirty="0">
+              <a:solidFill>
+                <a:srgbClr val="1155CC"/>
+              </a:solidFill>
+              <a:latin typeface="Times New Roman" panose="02020603050405020304" pitchFamily="18" charset="0"/>
+            </a:endParaRPr>
+          </a:p>
+          <a:p>
+            <a:pPr marL="228600" indent="0" algn="just" rtl="0" fontAlgn="base">
+              <a:spcBef>
+                <a:spcPts val="0"/>
+              </a:spcBef>
+              <a:spcAft>
+                <a:spcPts val="0"/>
+              </a:spcAft>
+            </a:pPr>
+            <a:endParaRPr lang="fr-HT" sz="1800" b="0" i="0" u="none" strike="noStrike" dirty="0">
+              <a:solidFill>
+                <a:srgbClr val="000000"/>
+              </a:solidFill>
+              <a:effectLst/>
+              <a:latin typeface="Times New Roman" panose="02020603050405020304" pitchFamily="18" charset="0"/>
+            </a:endParaRPr>
+          </a:p>
+          <a:p>
+            <a:pPr marL="514350" indent="-285750">
+              <a:buFont typeface="Arial" panose="020B0604020202020204" pitchFamily="34" charset="0"/>
+              <a:buChar char="•"/>
+            </a:pPr>
+            <a:endParaRPr lang="fr-HT" dirty="0"/>
           </a:p>
           <a:p>
             <a:pPr marL="228600" indent="0"/>

--- a/BI Project Presentation .pptx
+++ b/BI Project Presentation .pptx
@@ -306,7 +306,7 @@
       </p15:sldGuideLst>
     </p:ext>
     <p:ext uri="http://customooxmlschemas.google.com/">
-      <go:slidesCustomData xmlns="" xmlns:mc="http://schemas.openxmlformats.org/markup-compatibility/2006" xmlns:mv="urn:schemas-microsoft-com:mac:vml" xmlns:c="http://schemas.openxmlformats.org/drawingml/2006/chart" xmlns:dgm="http://schemas.openxmlformats.org/drawingml/2006/diagram" xmlns:o="urn:schemas-microsoft-com:office:office" xmlns:v="urn:schemas-microsoft-com:vml" xmlns:pvml="urn:schemas-microsoft-com:office:powerpoint" xmlns:com="http://schemas.openxmlformats.org/drawingml/2006/compatibility" xmlns:p14="http://schemas.microsoft.com/office/powerpoint/2010/main" xmlns:p15="http://schemas.microsoft.com/office/powerpoint/2012/main" xmlns:ahyp="http://schemas.microsoft.com/office/drawing/2018/hyperlinkcolor" xmlns:go="http://customooxmlschemas.google.com/" r:id="rId39" roundtripDataSignature="AMtx7miWp6OVRFIEJEE/HXDsa9FfFDJuqg=="/>
+      <go:slidesCustomData xmlns:go="http://customooxmlschemas.google.com/" xmlns:ahyp="http://schemas.microsoft.com/office/drawing/2018/hyperlinkcolor" xmlns:p15="http://schemas.microsoft.com/office/powerpoint/2012/main" xmlns:p14="http://schemas.microsoft.com/office/powerpoint/2010/main" xmlns:com="http://schemas.openxmlformats.org/drawingml/2006/compatibility" xmlns:pvml="urn:schemas-microsoft-com:office:powerpoint" xmlns:v="urn:schemas-microsoft-com:vml" xmlns:o="urn:schemas-microsoft-com:office:office" xmlns:dgm="http://schemas.openxmlformats.org/drawingml/2006/diagram" xmlns:c="http://schemas.openxmlformats.org/drawingml/2006/chart" xmlns:mv="urn:schemas-microsoft-com:mac:vml" xmlns:mc="http://schemas.openxmlformats.org/markup-compatibility/2006" xmlns="" r:id="rId39" roundtripDataSignature="AMtx7miWp6OVRFIEJEE/HXDsa9FfFDJuqg=="/>
     </p:ext>
   </p:extLst>
 </p:presentation>
@@ -6290,7 +6290,7 @@
         </p:nvGrpSpPr>
         <p:grpSpPr>
           <a:xfrm>
-            <a:off x="4997825" y="0"/>
+            <a:off x="5015775" y="-126125"/>
             <a:ext cx="4146550" cy="5143500"/>
             <a:chOff x="4997825" y="0"/>
             <a:chExt cx="4146550" cy="5143500"/>
@@ -6383,7 +6383,7 @@
                 </a:spcAft>
                 <a:buNone/>
               </a:pPr>
-              <a:endParaRPr sz="1800"/>
+              <a:endParaRPr sz="1800" dirty="0"/>
             </a:p>
           </p:txBody>
         </p:sp>
@@ -6785,7 +6785,7 @@
                 <a:cs typeface="Tahoma"/>
                 <a:sym typeface="Tahoma"/>
               </a:rPr>
-              <a:t>Prepared by: </a:t>
+              <a:t>Prepared by:  </a:t>
             </a:r>
             <a:r>
               <a:rPr lang="en-US" dirty="0">
@@ -7001,7 +7001,7 @@
               </a:rPr>
               <a:t>                    </a:t>
             </a:r>
-            <a:endParaRPr>
+            <a:endParaRPr dirty="0">
               <a:solidFill>
                 <a:srgbClr val="444444"/>
               </a:solidFill>
@@ -7010,6 +7010,71 @@
               <a:cs typeface="Tahoma"/>
               <a:sym typeface="Tahoma"/>
             </a:endParaRPr>
+          </a:p>
+        </p:txBody>
+      </p:sp>
+      <p:sp>
+        <p:nvSpPr>
+          <p:cNvPr id="2" name="Rectangle 1">
+            <a:extLst>
+              <a:ext uri="{FF2B5EF4-FFF2-40B4-BE49-F238E27FC236}">
+                <a16:creationId xmlns:a16="http://schemas.microsoft.com/office/drawing/2014/main" id="{169D395D-4644-420D-9748-7CC98C83DC2C}"/>
+              </a:ext>
+            </a:extLst>
+          </p:cNvPr>
+          <p:cNvSpPr/>
+          <p:nvPr/>
+        </p:nvSpPr>
+        <p:spPr>
+          <a:xfrm>
+            <a:off x="6373033" y="3099697"/>
+            <a:ext cx="1749778" cy="768269"/>
+          </a:xfrm>
+          <a:prstGeom prst="rect">
+            <a:avLst/>
+          </a:prstGeom>
+          <a:solidFill>
+            <a:schemeClr val="bg1"/>
+          </a:solidFill>
+          <a:ln>
+            <a:solidFill>
+              <a:schemeClr val="bg1"/>
+            </a:solidFill>
+          </a:ln>
+        </p:spPr>
+        <p:style>
+          <a:lnRef idx="2">
+            <a:schemeClr val="accent1">
+              <a:shade val="50000"/>
+            </a:schemeClr>
+          </a:lnRef>
+          <a:fillRef idx="1">
+            <a:schemeClr val="accent1"/>
+          </a:fillRef>
+          <a:effectRef idx="0">
+            <a:schemeClr val="accent1"/>
+          </a:effectRef>
+          <a:fontRef idx="minor">
+            <a:schemeClr val="lt1"/>
+          </a:fontRef>
+        </p:style>
+        <p:txBody>
+          <a:bodyPr rtlCol="0" anchor="ctr"/>
+          <a:lstStyle/>
+          <a:p>
+            <a:pPr algn="ctr"/>
+            <a:r>
+              <a:rPr lang="fr-HT" sz="2000" b="1" dirty="0">
+                <a:solidFill>
+                  <a:schemeClr val="tx1"/>
+                </a:solidFill>
+              </a:rPr>
+              <a:t>Group 4</a:t>
+            </a:r>
+            <a:r>
+              <a:rPr lang="fr-HT" sz="2000" b="1" dirty="0"/>
+              <a:t>$</a:t>
+            </a:r>
           </a:p>
         </p:txBody>
       </p:sp>
@@ -7077,8 +7142,8 @@
         </p:nvSpPr>
         <p:spPr>
           <a:xfrm>
-            <a:off x="5327900" y="3066375"/>
-            <a:ext cx="2632842" cy="1723549"/>
+            <a:off x="5084754" y="2409196"/>
+            <a:ext cx="2632842" cy="2708434"/>
           </a:xfrm>
         </p:spPr>
         <p:txBody>
@@ -7088,7 +7153,7 @@
             <a:pPr algn="ctr"/>
             <a:r>
               <a:rPr lang="en-US" dirty="0"/>
-              <a:t>On the other hand, the fraudulent transactions are a lot of different than normal. The mean of the transactions is 530,92 and a std of 835,58.</a:t>
+              <a:t>On the other hand, the fraudulent transactions are a lot of different than the normal transactions . The mean of the transactions is 530,92 and a std of 835,58. The fraudulent transactions tends to be higher than the non-frauds one.</a:t>
             </a:r>
           </a:p>
         </p:txBody>
@@ -7145,7 +7210,7 @@
         </p:blipFill>
         <p:spPr>
           <a:xfrm>
-            <a:off x="5216554" y="1239354"/>
+            <a:off x="5160110" y="608269"/>
             <a:ext cx="2219635" cy="1619476"/>
           </a:xfrm>
           <a:prstGeom prst="rect">
@@ -7295,7 +7360,7 @@
             </a:r>
             <a:r>
               <a:rPr lang="fr-HT" dirty="0"/>
-              <a:t> group </a:t>
+              <a:t> group.</a:t>
             </a:r>
           </a:p>
         </p:txBody>
@@ -7767,7 +7832,7 @@
         <p:spPr>
           <a:xfrm>
             <a:off x="5083095" y="866495"/>
-            <a:ext cx="3466213" cy="2185049"/>
+            <a:ext cx="3466213" cy="2215991"/>
           </a:xfrm>
         </p:spPr>
         <p:txBody>
@@ -7776,7 +7841,7 @@
           <a:p>
             <a:r>
               <a:rPr lang="en-US" dirty="0"/>
-              <a:t>In this graph, we can see that the females has a higher chance to be victims of fraud. We confirm it with a chi-square test to know if the gender and fraud variable are independent. Using bayes formula, A customer victim of fraud has a 70,07 % to be a women</a:t>
+              <a:t>In this graph, we can see that the females has a higher chance to be victims of fraud. We confirm it with a chi-square test to know if the gender and fraud variable are dependent. Using bayes formula, A customer victim of fraud has a 70,07 % to be a women</a:t>
             </a:r>
           </a:p>
         </p:txBody>
@@ -7915,7 +7980,7 @@
           <a:p>
             <a:r>
               <a:rPr lang="en-US" dirty="0"/>
-              <a:t>In this graph, we can see that customer that buys sports and toys  has a higher chance to be victims of fraud. We confirm it with a chi-square test to know if the category and fraud variable are independent. </a:t>
+              <a:t>In this graph, we can see that customer that buys sports and toys  has a higher chance to be victims of fraud. We confirm it with a chi-square test to know if the category and fraud variable are dependent. </a:t>
             </a:r>
           </a:p>
         </p:txBody>
@@ -8892,7 +8957,7 @@
           <p:nvPr>
             <p:extLst>
               <p:ext uri="{D42A27DB-BD31-4B8C-83A1-F6EECF244321}">
-                <p14:modId xmlns:p14="http://schemas.microsoft.com/office/powerpoint/2010/main" val="671410990"/>
+                <p14:modId xmlns:p14="http://schemas.microsoft.com/office/powerpoint/2010/main" val="1248616421"/>
               </p:ext>
             </p:extLst>
           </p:nvPr>
@@ -9132,10 +9197,7 @@
                         <a:buFontTx/>
                         <a:buChar char="-"/>
                       </a:pPr>
-                      <a:r>
-                        <a:rPr lang="en-US" dirty="0"/>
-                        <a:t> </a:t>
-                      </a:r>
+                      <a:endParaRPr lang="en-US" dirty="0"/>
                     </a:p>
                   </a:txBody>
                   <a:tcPr/>
@@ -13958,7 +14020,7 @@
         </p:nvSpPr>
         <p:spPr>
           <a:xfrm>
-            <a:off x="821750" y="303367"/>
+            <a:off x="821750" y="134034"/>
             <a:ext cx="7500499" cy="646331"/>
           </a:xfrm>
         </p:spPr>
@@ -13997,7 +14059,7 @@
         <p:spPr>
           <a:xfrm>
             <a:off x="777509" y="1503696"/>
-            <a:ext cx="7544740" cy="2215991"/>
+            <a:ext cx="7544740" cy="1969770"/>
           </a:xfrm>
         </p:spPr>
         <p:txBody>
@@ -14012,7 +14074,7 @@
           <a:p>
             <a:r>
               <a:rPr lang="en-US" dirty="0"/>
-              <a:t> Knowing that the customers will be at the heart of all transactions and will be able to monitor permanently with their mobile application any transaction on their credit card and the bank will make sure to implement thanks to artificial intelligence one more defense to counteract fraudulent transactions. Translated with www.DeepL.com/Translator (free version)</a:t>
+              <a:t> Knowing that the customers will be at the heart of all transactions and will be able to monitor permanently with their mobile application any transaction on their credit card and the bank will make sure to implement thanks to artificial intelligence one more defense to counteract fraudulent transactions.</a:t>
             </a:r>
             <a:endParaRPr lang="fr-HT" dirty="0"/>
           </a:p>
@@ -14101,14 +14163,10 @@
               <a:buChar char="•"/>
             </a:pPr>
             <a:r>
-              <a:rPr lang="fr-HT" dirty="0"/>
-              <a:t>Bank </a:t>
-            </a:r>
-            <a:r>
               <a:rPr lang="fr-HT" dirty="0">
                 <a:hlinkClick r:id="rId2"/>
               </a:rPr>
-              <a:t>simulation</a:t>
+              <a:t>Bank simulation</a:t>
             </a:r>
             <a:endParaRPr lang="fr-HT" dirty="0"/>
           </a:p>
@@ -21196,7 +21254,7 @@
                 <a:cs typeface="Tahoma"/>
                 <a:sym typeface="Tahoma"/>
               </a:rPr>
-              <a:t>Data processing using Python</a:t>
+              <a:t>Data processing using Python 3</a:t>
             </a:r>
           </a:p>
           <a:p>
@@ -21219,7 +21277,7 @@
                 <a:cs typeface="Tahoma"/>
                 <a:sym typeface="Tahoma"/>
               </a:rPr>
-              <a:t>    - Cleaning Data</a:t>
+              <a:t>    - Cleaning Data with pandas</a:t>
             </a:r>
           </a:p>
           <a:p>
@@ -21242,8 +21300,29 @@
                 <a:cs typeface="Tahoma"/>
                 <a:sym typeface="Tahoma"/>
               </a:rPr>
-              <a:t>    - Data transformation</a:t>
+              <a:t>    - Data transformation with Pandas/</a:t>
             </a:r>
+            <a:r>
+              <a:rPr lang="en-US" sz="1600" dirty="0" err="1">
+                <a:solidFill>
+                  <a:srgbClr val="595959"/>
+                </a:solidFill>
+                <a:latin typeface="Tahoma"/>
+                <a:ea typeface="Tahoma"/>
+                <a:cs typeface="Tahoma"/>
+                <a:sym typeface="Tahoma"/>
+              </a:rPr>
+              <a:t>numpy</a:t>
+            </a:r>
+            <a:endParaRPr lang="en-US" sz="1600" dirty="0">
+              <a:solidFill>
+                <a:srgbClr val="595959"/>
+              </a:solidFill>
+              <a:latin typeface="Tahoma"/>
+              <a:ea typeface="Tahoma"/>
+              <a:cs typeface="Tahoma"/>
+              <a:sym typeface="Tahoma"/>
+            </a:endParaRPr>
           </a:p>
           <a:p>
             <a:pPr marL="127000">
@@ -21265,7 +21344,7 @@
                 <a:cs typeface="Tahoma"/>
                 <a:sym typeface="Tahoma"/>
               </a:rPr>
-              <a:t>     - Statistical Analysis</a:t>
+              <a:t>     - Statistical Analysis with seaborn/matplotlib</a:t>
             </a:r>
           </a:p>
           <a:p>
@@ -21327,7 +21406,7 @@
                 <a:cs typeface="Tahoma"/>
                 <a:sym typeface="Tahoma"/>
               </a:rPr>
-              <a:t>Slideshow made by </a:t>
+              <a:t>Slideshow made by Microsoft </a:t>
             </a:r>
             <a:r>
               <a:rPr lang="en-US" sz="1600" dirty="0" err="1">
@@ -21485,7 +21564,7 @@
               </a:rPr>
               <a:t>To realized this project, we used:</a:t>
             </a:r>
-            <a:endParaRPr sz="1600" b="1">
+            <a:endParaRPr sz="1600" b="1" dirty="0">
               <a:solidFill>
                 <a:srgbClr val="595959"/>
               </a:solidFill>
@@ -21700,7 +21779,7 @@
         <p:spPr>
           <a:xfrm>
             <a:off x="4709160" y="1499191"/>
-            <a:ext cx="3977640" cy="1477328"/>
+            <a:ext cx="3977640" cy="2215991"/>
           </a:xfrm>
         </p:spPr>
         <p:txBody>
@@ -21839,6 +21918,49 @@
               <a:rPr lang="fr-HT" dirty="0"/>
               <a:t>.</a:t>
             </a:r>
+          </a:p>
+          <a:p>
+            <a:r>
+              <a:rPr lang="fr-HT" dirty="0"/>
+              <a:t>The </a:t>
+            </a:r>
+            <a:r>
+              <a:rPr lang="fr-HT" dirty="0" err="1"/>
+              <a:t>customers</a:t>
+            </a:r>
+            <a:r>
+              <a:rPr lang="fr-HT" dirty="0"/>
+              <a:t> type </a:t>
+            </a:r>
+            <a:r>
+              <a:rPr lang="fr-HT" dirty="0" err="1"/>
+              <a:t>is</a:t>
+            </a:r>
+            <a:r>
+              <a:rPr lang="fr-HT" dirty="0"/>
+              <a:t> Entreprise and </a:t>
+            </a:r>
+            <a:r>
+              <a:rPr lang="fr-HT" dirty="0" err="1"/>
+              <a:t>particular</a:t>
+            </a:r>
+            <a:r>
+              <a:rPr lang="fr-HT" dirty="0"/>
+              <a:t>, </a:t>
+            </a:r>
+            <a:r>
+              <a:rPr lang="fr-HT" dirty="0" err="1"/>
+              <a:t>genders</a:t>
+            </a:r>
+            <a:r>
+              <a:rPr lang="fr-HT" dirty="0"/>
+              <a:t> are Male and </a:t>
+            </a:r>
+            <a:r>
+              <a:rPr lang="fr-HT" dirty="0" err="1"/>
+              <a:t>female</a:t>
+            </a:r>
+            <a:endParaRPr lang="fr-HT" dirty="0"/>
           </a:p>
         </p:txBody>
       </p:sp>

--- a/BI Project Presentation .pptx
+++ b/BI Project Presentation .pptx
@@ -306,7 +306,7 @@
       </p15:sldGuideLst>
     </p:ext>
     <p:ext uri="http://customooxmlschemas.google.com/">
-      <go:slidesCustomData xmlns:go="http://customooxmlschemas.google.com/" xmlns:ahyp="http://schemas.microsoft.com/office/drawing/2018/hyperlinkcolor" xmlns:p15="http://schemas.microsoft.com/office/powerpoint/2012/main" xmlns:p14="http://schemas.microsoft.com/office/powerpoint/2010/main" xmlns:com="http://schemas.openxmlformats.org/drawingml/2006/compatibility" xmlns:pvml="urn:schemas-microsoft-com:office:powerpoint" xmlns:v="urn:schemas-microsoft-com:vml" xmlns:o="urn:schemas-microsoft-com:office:office" xmlns:dgm="http://schemas.openxmlformats.org/drawingml/2006/diagram" xmlns:c="http://schemas.openxmlformats.org/drawingml/2006/chart" xmlns:mv="urn:schemas-microsoft-com:mac:vml" xmlns:mc="http://schemas.openxmlformats.org/markup-compatibility/2006" xmlns="" r:id="rId39" roundtripDataSignature="AMtx7miWp6OVRFIEJEE/HXDsa9FfFDJuqg=="/>
+      <go:slidesCustomData xmlns="" xmlns:mc="http://schemas.openxmlformats.org/markup-compatibility/2006" xmlns:mv="urn:schemas-microsoft-com:mac:vml" xmlns:c="http://schemas.openxmlformats.org/drawingml/2006/chart" xmlns:dgm="http://schemas.openxmlformats.org/drawingml/2006/diagram" xmlns:o="urn:schemas-microsoft-com:office:office" xmlns:v="urn:schemas-microsoft-com:vml" xmlns:pvml="urn:schemas-microsoft-com:office:powerpoint" xmlns:com="http://schemas.openxmlformats.org/drawingml/2006/compatibility" xmlns:p14="http://schemas.microsoft.com/office/powerpoint/2010/main" xmlns:p15="http://schemas.microsoft.com/office/powerpoint/2012/main" xmlns:ahyp="http://schemas.microsoft.com/office/drawing/2018/hyperlinkcolor" xmlns:go="http://customooxmlschemas.google.com/" r:id="rId39" roundtripDataSignature="AMtx7miWp6OVRFIEJEE/HXDsa9FfFDJuqg=="/>
     </p:ext>
   </p:extLst>
 </p:presentation>

--- a/BI Project Presentation .pptx
+++ b/BI Project Presentation .pptx
@@ -306,7 +306,7 @@
       </p15:sldGuideLst>
     </p:ext>
     <p:ext uri="http://customooxmlschemas.google.com/">
-      <go:slidesCustomData xmlns="" xmlns:mc="http://schemas.openxmlformats.org/markup-compatibility/2006" xmlns:mv="urn:schemas-microsoft-com:mac:vml" xmlns:c="http://schemas.openxmlformats.org/drawingml/2006/chart" xmlns:dgm="http://schemas.openxmlformats.org/drawingml/2006/diagram" xmlns:o="urn:schemas-microsoft-com:office:office" xmlns:v="urn:schemas-microsoft-com:vml" xmlns:pvml="urn:schemas-microsoft-com:office:powerpoint" xmlns:com="http://schemas.openxmlformats.org/drawingml/2006/compatibility" xmlns:p14="http://schemas.microsoft.com/office/powerpoint/2010/main" xmlns:p15="http://schemas.microsoft.com/office/powerpoint/2012/main" xmlns:ahyp="http://schemas.microsoft.com/office/drawing/2018/hyperlinkcolor" xmlns:go="http://customooxmlschemas.google.com/" r:id="rId39" roundtripDataSignature="AMtx7miWp6OVRFIEJEE/HXDsa9FfFDJuqg=="/>
+      <go:slidesCustomData xmlns:go="http://customooxmlschemas.google.com/" xmlns:ahyp="http://schemas.microsoft.com/office/drawing/2018/hyperlinkcolor" xmlns:p15="http://schemas.microsoft.com/office/powerpoint/2012/main" xmlns:p14="http://schemas.microsoft.com/office/powerpoint/2010/main" xmlns:com="http://schemas.openxmlformats.org/drawingml/2006/compatibility" xmlns:pvml="urn:schemas-microsoft-com:office:powerpoint" xmlns:v="urn:schemas-microsoft-com:vml" xmlns:o="urn:schemas-microsoft-com:office:office" xmlns:dgm="http://schemas.openxmlformats.org/drawingml/2006/diagram" xmlns:c="http://schemas.openxmlformats.org/drawingml/2006/chart" xmlns:mv="urn:schemas-microsoft-com:mac:vml" xmlns:mc="http://schemas.openxmlformats.org/markup-compatibility/2006" xmlns="" r:id="rId39" roundtripDataSignature="AMtx7miWp6OVRFIEJEE/HXDsa9FfFDJuqg=="/>
     </p:ext>
   </p:extLst>
 </p:presentation>
@@ -7064,17 +7064,18 @@
           <a:p>
             <a:pPr algn="ctr"/>
             <a:r>
-              <a:rPr lang="fr-HT" sz="2000" b="1" dirty="0">
+              <a:rPr lang="fr-HT" sz="2000" b="1">
                 <a:solidFill>
                   <a:schemeClr val="tx1"/>
                 </a:solidFill>
               </a:rPr>
-              <a:t>Group 4</a:t>
+              <a:t>Group 5</a:t>
             </a:r>
             <a:r>
-              <a:rPr lang="fr-HT" sz="2000" b="1" dirty="0"/>
+              <a:rPr lang="fr-HT" sz="2000" b="1"/>
               <a:t>$</a:t>
             </a:r>
+            <a:endParaRPr lang="fr-HT" sz="2000" b="1" dirty="0"/>
           </a:p>
         </p:txBody>
       </p:sp>

--- a/BI Project Presentation .pptx
+++ b/BI Project Presentation .pptx
@@ -306,7 +306,7 @@
       </p15:sldGuideLst>
     </p:ext>
     <p:ext uri="http://customooxmlschemas.google.com/">
-      <go:slidesCustomData xmlns:go="http://customooxmlschemas.google.com/" xmlns:ahyp="http://schemas.microsoft.com/office/drawing/2018/hyperlinkcolor" xmlns:p15="http://schemas.microsoft.com/office/powerpoint/2012/main" xmlns:p14="http://schemas.microsoft.com/office/powerpoint/2010/main" xmlns:com="http://schemas.openxmlformats.org/drawingml/2006/compatibility" xmlns:pvml="urn:schemas-microsoft-com:office:powerpoint" xmlns:v="urn:schemas-microsoft-com:vml" xmlns:o="urn:schemas-microsoft-com:office:office" xmlns:dgm="http://schemas.openxmlformats.org/drawingml/2006/diagram" xmlns:c="http://schemas.openxmlformats.org/drawingml/2006/chart" xmlns:mv="urn:schemas-microsoft-com:mac:vml" xmlns:mc="http://schemas.openxmlformats.org/markup-compatibility/2006" xmlns="" r:id="rId39" roundtripDataSignature="AMtx7miWp6OVRFIEJEE/HXDsa9FfFDJuqg=="/>
+      <go:slidesCustomData xmlns="" xmlns:mc="http://schemas.openxmlformats.org/markup-compatibility/2006" xmlns:mv="urn:schemas-microsoft-com:mac:vml" xmlns:c="http://schemas.openxmlformats.org/drawingml/2006/chart" xmlns:dgm="http://schemas.openxmlformats.org/drawingml/2006/diagram" xmlns:o="urn:schemas-microsoft-com:office:office" xmlns:v="urn:schemas-microsoft-com:vml" xmlns:pvml="urn:schemas-microsoft-com:office:powerpoint" xmlns:com="http://schemas.openxmlformats.org/drawingml/2006/compatibility" xmlns:p14="http://schemas.microsoft.com/office/powerpoint/2010/main" xmlns:p15="http://schemas.microsoft.com/office/powerpoint/2012/main" xmlns:ahyp="http://schemas.microsoft.com/office/drawing/2018/hyperlinkcolor" xmlns:go="http://customooxmlschemas.google.com/" r:id="rId39" roundtripDataSignature="AMtx7miWp6OVRFIEJEE/HXDsa9FfFDJuqg=="/>
     </p:ext>
   </p:extLst>
 </p:presentation>
@@ -7295,7 +7295,7 @@
         <p:spPr>
           <a:xfrm>
             <a:off x="6028660" y="1180215"/>
-            <a:ext cx="2860159" cy="1231106"/>
+            <a:ext cx="2860159" cy="984885"/>
           </a:xfrm>
         </p:spPr>
         <p:txBody>
@@ -7321,15 +7321,7 @@
             </a:r>
             <a:r>
               <a:rPr lang="fr-HT" dirty="0"/>
-              <a:t> the one </a:t>
-            </a:r>
-            <a:r>
-              <a:rPr lang="fr-HT" dirty="0" err="1"/>
-              <a:t>that</a:t>
-            </a:r>
-            <a:r>
-              <a:rPr lang="fr-HT" dirty="0"/>
-              <a:t> are more </a:t>
+              <a:t>  more </a:t>
             </a:r>
             <a:r>
               <a:rPr lang="fr-HT" dirty="0" err="1"/>
@@ -22328,7 +22320,7 @@
             <a:pPr algn="ctr"/>
             <a:r>
               <a:rPr lang="en-US" dirty="0"/>
-              <a:t>The mean of the fraudulent transactions is near de 1,21%.</a:t>
+              <a:t>The mean of the fraudulent transactions is near 1,21%.</a:t>
             </a:r>
           </a:p>
           <a:p>

--- a/BI Project Presentation .pptx
+++ b/BI Project Presentation .pptx
@@ -5,7 +5,7 @@
     <p:sldMasterId id="2147483648" r:id="rId1"/>
   </p:sldMasterIdLst>
   <p:notesMasterIdLst>
-    <p:notesMasterId r:id="rId24"/>
+    <p:notesMasterId r:id="rId25"/>
   </p:notesMasterIdLst>
   <p:sldIdLst>
     <p:sldId id="256" r:id="rId2"/>
@@ -16,49 +16,50 @@
     <p:sldId id="274" r:id="rId7"/>
     <p:sldId id="269" r:id="rId8"/>
     <p:sldId id="275" r:id="rId9"/>
-    <p:sldId id="276" r:id="rId10"/>
-    <p:sldId id="277" r:id="rId11"/>
-    <p:sldId id="280" r:id="rId12"/>
-    <p:sldId id="278" r:id="rId13"/>
-    <p:sldId id="279" r:id="rId14"/>
-    <p:sldId id="270" r:id="rId15"/>
-    <p:sldId id="271" r:id="rId16"/>
-    <p:sldId id="260" r:id="rId17"/>
-    <p:sldId id="268" r:id="rId18"/>
-    <p:sldId id="261" r:id="rId19"/>
-    <p:sldId id="264" r:id="rId20"/>
-    <p:sldId id="281" r:id="rId21"/>
-    <p:sldId id="267" r:id="rId22"/>
-    <p:sldId id="266" r:id="rId23"/>
+    <p:sldId id="282" r:id="rId10"/>
+    <p:sldId id="276" r:id="rId11"/>
+    <p:sldId id="277" r:id="rId12"/>
+    <p:sldId id="280" r:id="rId13"/>
+    <p:sldId id="278" r:id="rId14"/>
+    <p:sldId id="279" r:id="rId15"/>
+    <p:sldId id="270" r:id="rId16"/>
+    <p:sldId id="271" r:id="rId17"/>
+    <p:sldId id="260" r:id="rId18"/>
+    <p:sldId id="268" r:id="rId19"/>
+    <p:sldId id="261" r:id="rId20"/>
+    <p:sldId id="264" r:id="rId21"/>
+    <p:sldId id="281" r:id="rId22"/>
+    <p:sldId id="267" r:id="rId23"/>
+    <p:sldId id="266" r:id="rId24"/>
   </p:sldIdLst>
   <p:sldSz cx="9144000" cy="5143500" type="screen16x9"/>
   <p:notesSz cx="9144000" cy="5143500"/>
   <p:embeddedFontLst>
     <p:embeddedFont>
       <p:font typeface="Calibri" panose="020F0502020204030204" pitchFamily="34" charset="0"/>
-      <p:regular r:id="rId25"/>
-      <p:bold r:id="rId26"/>
-      <p:italic r:id="rId27"/>
-      <p:boldItalic r:id="rId28"/>
+      <p:regular r:id="rId26"/>
+      <p:bold r:id="rId27"/>
+      <p:italic r:id="rId28"/>
+      <p:boldItalic r:id="rId29"/>
     </p:embeddedFont>
     <p:embeddedFont>
       <p:font typeface="Montserrat" panose="020B0604020202020204" charset="0"/>
-      <p:regular r:id="rId29"/>
-      <p:bold r:id="rId30"/>
-      <p:italic r:id="rId31"/>
-      <p:boldItalic r:id="rId32"/>
+      <p:regular r:id="rId30"/>
+      <p:bold r:id="rId31"/>
+      <p:italic r:id="rId32"/>
+      <p:boldItalic r:id="rId33"/>
     </p:embeddedFont>
     <p:embeddedFont>
       <p:font typeface="Tahoma" panose="020B0604030504040204" pitchFamily="34" charset="0"/>
-      <p:regular r:id="rId33"/>
-      <p:bold r:id="rId34"/>
+      <p:regular r:id="rId34"/>
+      <p:bold r:id="rId35"/>
     </p:embeddedFont>
     <p:embeddedFont>
       <p:font typeface="Trebuchet MS" panose="020B0603020202020204" pitchFamily="34" charset="0"/>
-      <p:regular r:id="rId35"/>
-      <p:bold r:id="rId36"/>
-      <p:italic r:id="rId37"/>
-      <p:boldItalic r:id="rId38"/>
+      <p:regular r:id="rId36"/>
+      <p:bold r:id="rId37"/>
+      <p:italic r:id="rId38"/>
+      <p:boldItalic r:id="rId39"/>
     </p:embeddedFont>
   </p:embeddedFontLst>
   <p:defaultTextStyle>
@@ -306,7 +307,7 @@
       </p15:sldGuideLst>
     </p:ext>
     <p:ext uri="http://customooxmlschemas.google.com/">
-      <go:slidesCustomData xmlns="" xmlns:mc="http://schemas.openxmlformats.org/markup-compatibility/2006" xmlns:mv="urn:schemas-microsoft-com:mac:vml" xmlns:c="http://schemas.openxmlformats.org/drawingml/2006/chart" xmlns:dgm="http://schemas.openxmlformats.org/drawingml/2006/diagram" xmlns:o="urn:schemas-microsoft-com:office:office" xmlns:v="urn:schemas-microsoft-com:vml" xmlns:pvml="urn:schemas-microsoft-com:office:powerpoint" xmlns:com="http://schemas.openxmlformats.org/drawingml/2006/compatibility" xmlns:p14="http://schemas.microsoft.com/office/powerpoint/2010/main" xmlns:p15="http://schemas.microsoft.com/office/powerpoint/2012/main" xmlns:ahyp="http://schemas.microsoft.com/office/drawing/2018/hyperlinkcolor" xmlns:go="http://customooxmlschemas.google.com/" r:id="rId39" roundtripDataSignature="AMtx7miWp6OVRFIEJEE/HXDsa9FfFDJuqg=="/>
+      <go:slidesCustomData xmlns:go="http://customooxmlschemas.google.com/" xmlns:ahyp="http://schemas.microsoft.com/office/drawing/2018/hyperlinkcolor" xmlns:p15="http://schemas.microsoft.com/office/powerpoint/2012/main" xmlns:p14="http://schemas.microsoft.com/office/powerpoint/2010/main" xmlns:com="http://schemas.openxmlformats.org/drawingml/2006/compatibility" xmlns:pvml="urn:schemas-microsoft-com:office:powerpoint" xmlns:v="urn:schemas-microsoft-com:vml" xmlns:o="urn:schemas-microsoft-com:office:office" xmlns:dgm="http://schemas.openxmlformats.org/drawingml/2006/diagram" xmlns:c="http://schemas.openxmlformats.org/drawingml/2006/chart" xmlns:mv="urn:schemas-microsoft-com:mac:vml" xmlns:mc="http://schemas.openxmlformats.org/markup-compatibility/2006" xmlns="" r:id="rId40" roundtripDataSignature="AMtx7miWp6OVRFIEJEE/HXDsa9FfFDJuqg=="/>
     </p:ext>
   </p:extLst>
 </p:presentation>
@@ -7126,6 +7127,158 @@
           <a:p>
             <a:r>
               <a:rPr lang="en-US" dirty="0"/>
+              <a:t>Summary of the transactions</a:t>
+            </a:r>
+          </a:p>
+        </p:txBody>
+      </p:sp>
+      <p:sp>
+        <p:nvSpPr>
+          <p:cNvPr id="3" name="Text Placeholder 2"/>
+          <p:cNvSpPr>
+            <a:spLocks noGrp="1"/>
+          </p:cNvSpPr>
+          <p:nvPr>
+            <p:ph type="body" idx="1"/>
+          </p:nvPr>
+        </p:nvSpPr>
+        <p:spPr>
+          <a:xfrm>
+            <a:off x="5689407" y="1479209"/>
+            <a:ext cx="2632842" cy="2462213"/>
+          </a:xfrm>
+        </p:spPr>
+        <p:txBody>
+          <a:bodyPr/>
+          <a:lstStyle/>
+          <a:p>
+            <a:pPr algn="ctr"/>
+            <a:r>
+              <a:rPr lang="en-US" dirty="0"/>
+              <a:t>The mean of the fraudulent transactions is near 1,21%.</a:t>
+            </a:r>
+          </a:p>
+          <a:p>
+            <a:pPr algn="ctr"/>
+            <a:r>
+              <a:rPr lang="en-US" dirty="0"/>
+              <a:t>The customers of the bank do not spent a lot of money, the mean of their transactions is 31.84 and 50% of the transactions didn’t exceed 26,61    </a:t>
+            </a:r>
+          </a:p>
+        </p:txBody>
+      </p:sp>
+      <p:pic>
+        <p:nvPicPr>
+          <p:cNvPr id="7" name="Picture 6">
+            <a:extLst>
+              <a:ext uri="{FF2B5EF4-FFF2-40B4-BE49-F238E27FC236}">
+                <a16:creationId xmlns:a16="http://schemas.microsoft.com/office/drawing/2014/main" id="{C3652297-6F34-4108-97B2-4D72D1F86154}"/>
+              </a:ext>
+            </a:extLst>
+          </p:cNvPr>
+          <p:cNvPicPr>
+            <a:picLocks noChangeAspect="1"/>
+          </p:cNvPicPr>
+          <p:nvPr/>
+        </p:nvPicPr>
+        <p:blipFill>
+          <a:blip r:embed="rId2"/>
+          <a:stretch>
+            <a:fillRect/>
+          </a:stretch>
+        </p:blipFill>
+        <p:spPr>
+          <a:xfrm>
+            <a:off x="606320" y="944128"/>
+            <a:ext cx="4124901" cy="2495898"/>
+          </a:xfrm>
+          <a:prstGeom prst="rect">
+            <a:avLst/>
+          </a:prstGeom>
+        </p:spPr>
+      </p:pic>
+      <p:pic>
+        <p:nvPicPr>
+          <p:cNvPr id="10" name="Picture 9">
+            <a:extLst>
+              <a:ext uri="{FF2B5EF4-FFF2-40B4-BE49-F238E27FC236}">
+                <a16:creationId xmlns:a16="http://schemas.microsoft.com/office/drawing/2014/main" id="{02EF26A1-1B16-478D-8C49-F56A47E6A9CD}"/>
+              </a:ext>
+            </a:extLst>
+          </p:cNvPr>
+          <p:cNvPicPr>
+            <a:picLocks noChangeAspect="1"/>
+          </p:cNvPicPr>
+          <p:nvPr/>
+        </p:nvPicPr>
+        <p:blipFill>
+          <a:blip r:embed="rId3"/>
+          <a:stretch>
+            <a:fillRect/>
+          </a:stretch>
+        </p:blipFill>
+        <p:spPr>
+          <a:xfrm>
+            <a:off x="1900807" y="3440026"/>
+            <a:ext cx="2181529" cy="1609950"/>
+          </a:xfrm>
+          <a:prstGeom prst="rect">
+            <a:avLst/>
+          </a:prstGeom>
+        </p:spPr>
+      </p:pic>
+    </p:spTree>
+    <p:extLst>
+      <p:ext uri="{BB962C8B-B14F-4D97-AF65-F5344CB8AC3E}">
+        <p14:creationId xmlns:p14="http://schemas.microsoft.com/office/powerpoint/2010/main" val="3566053333"/>
+      </p:ext>
+    </p:extLst>
+  </p:cSld>
+  <p:clrMapOvr>
+    <a:masterClrMapping/>
+  </p:clrMapOvr>
+</p:sld>
+</file>
+
+<file path=ppt/slides/slide11.xml><?xml version="1.0" encoding="utf-8"?>
+<p:sld xmlns:a="http://schemas.openxmlformats.org/drawingml/2006/main" xmlns:r="http://schemas.openxmlformats.org/officeDocument/2006/relationships" xmlns:p="http://schemas.openxmlformats.org/presentationml/2006/main">
+  <p:cSld>
+    <p:spTree>
+      <p:nvGrpSpPr>
+        <p:cNvPr id="1" name=""/>
+        <p:cNvGrpSpPr/>
+        <p:nvPr/>
+      </p:nvGrpSpPr>
+      <p:grpSpPr>
+        <a:xfrm>
+          <a:off x="0" y="0"/>
+          <a:ext cx="0" cy="0"/>
+          <a:chOff x="0" y="0"/>
+          <a:chExt cx="0" cy="0"/>
+        </a:xfrm>
+      </p:grpSpPr>
+      <p:sp>
+        <p:nvSpPr>
+          <p:cNvPr id="2" name="Title 1"/>
+          <p:cNvSpPr>
+            <a:spLocks noGrp="1"/>
+          </p:cNvSpPr>
+          <p:nvPr>
+            <p:ph type="title"/>
+          </p:nvPr>
+        </p:nvSpPr>
+        <p:spPr>
+          <a:xfrm>
+            <a:off x="821750" y="303367"/>
+            <a:ext cx="7500499" cy="400110"/>
+          </a:xfrm>
+        </p:spPr>
+        <p:txBody>
+          <a:bodyPr/>
+          <a:lstStyle/>
+          <a:p>
+            <a:r>
+              <a:rPr lang="en-US" dirty="0"/>
               <a:t>Summary of the fraudulent transactions</a:t>
             </a:r>
           </a:p>
@@ -7232,7 +7385,7 @@
 </p:sld>
 </file>
 
-<file path=ppt/slides/slide11.xml><?xml version="1.0" encoding="utf-8"?>
+<file path=ppt/slides/slide12.xml><?xml version="1.0" encoding="utf-8"?>
 <p:sld xmlns:a="http://schemas.openxmlformats.org/drawingml/2006/main" xmlns:r="http://schemas.openxmlformats.org/officeDocument/2006/relationships" xmlns:p="http://schemas.openxmlformats.org/presentationml/2006/main">
   <p:cSld>
     <p:spTree>
@@ -7401,7 +7554,7 @@
 </p:sld>
 </file>
 
-<file path=ppt/slides/slide12.xml><?xml version="1.0" encoding="utf-8"?>
+<file path=ppt/slides/slide13.xml><?xml version="1.0" encoding="utf-8"?>
 <p:sld xmlns:a="http://schemas.openxmlformats.org/drawingml/2006/main" xmlns:r="http://schemas.openxmlformats.org/officeDocument/2006/relationships" xmlns:p="http://schemas.openxmlformats.org/presentationml/2006/main">
   <p:cSld>
     <p:spTree>
@@ -7508,7 +7661,7 @@
 </p:sld>
 </file>
 
-<file path=ppt/slides/slide13.xml><?xml version="1.0" encoding="utf-8"?>
+<file path=ppt/slides/slide14.xml><?xml version="1.0" encoding="utf-8"?>
 <p:sld xmlns:a="http://schemas.openxmlformats.org/drawingml/2006/main" xmlns:r="http://schemas.openxmlformats.org/officeDocument/2006/relationships" xmlns:p="http://schemas.openxmlformats.org/presentationml/2006/main">
   <p:cSld>
     <p:spTree>
@@ -7768,7 +7921,7 @@
 </p:sld>
 </file>
 
-<file path=ppt/slides/slide14.xml><?xml version="1.0" encoding="utf-8"?>
+<file path=ppt/slides/slide15.xml><?xml version="1.0" encoding="utf-8"?>
 <p:sld xmlns:a="http://schemas.openxmlformats.org/drawingml/2006/main" xmlns:r="http://schemas.openxmlformats.org/officeDocument/2006/relationships" xmlns:p="http://schemas.openxmlformats.org/presentationml/2006/main">
   <p:cSld>
     <p:spTree>
@@ -7907,7 +8060,7 @@
 </p:sld>
 </file>
 
-<file path=ppt/slides/slide15.xml><?xml version="1.0" encoding="utf-8"?>
+<file path=ppt/slides/slide16.xml><?xml version="1.0" encoding="utf-8"?>
 <p:sld xmlns:a="http://schemas.openxmlformats.org/drawingml/2006/main" xmlns:r="http://schemas.openxmlformats.org/officeDocument/2006/relationships" xmlns:p="http://schemas.openxmlformats.org/presentationml/2006/main">
   <p:cSld>
     <p:spTree>
@@ -8046,7 +8199,7 @@
 </p:sld>
 </file>
 
-<file path=ppt/slides/slide16.xml><?xml version="1.0" encoding="utf-8"?>
+<file path=ppt/slides/slide17.xml><?xml version="1.0" encoding="utf-8"?>
 <p:sld xmlns:a="http://schemas.openxmlformats.org/drawingml/2006/main" xmlns:r="http://schemas.openxmlformats.org/officeDocument/2006/relationships" xmlns:p="http://schemas.openxmlformats.org/presentationml/2006/main">
   <p:cSld>
     <p:spTree>
@@ -8263,7 +8416,7 @@
 </p:sld>
 </file>
 
-<file path=ppt/slides/slide17.xml><?xml version="1.0" encoding="utf-8"?>
+<file path=ppt/slides/slide18.xml><?xml version="1.0" encoding="utf-8"?>
 <p:sld xmlns:a="http://schemas.openxmlformats.org/drawingml/2006/main" xmlns:r="http://schemas.openxmlformats.org/officeDocument/2006/relationships" xmlns:p="http://schemas.openxmlformats.org/presentationml/2006/main">
   <p:cSld>
     <p:spTree>
@@ -8730,7 +8883,7 @@
 </p:sld>
 </file>
 
-<file path=ppt/slides/slide18.xml><?xml version="1.0" encoding="utf-8"?>
+<file path=ppt/slides/slide19.xml><?xml version="1.0" encoding="utf-8"?>
 <p:sld xmlns:a="http://schemas.openxmlformats.org/drawingml/2006/main" xmlns:r="http://schemas.openxmlformats.org/officeDocument/2006/relationships" xmlns:p="http://schemas.openxmlformats.org/presentationml/2006/main">
   <p:cSld>
     <p:spTree>
@@ -9213,316 +9366,6 @@
 </p:sld>
 </file>
 
-<file path=ppt/slides/slide19.xml><?xml version="1.0" encoding="utf-8"?>
-<p:sld xmlns:a="http://schemas.openxmlformats.org/drawingml/2006/main" xmlns:r="http://schemas.openxmlformats.org/officeDocument/2006/relationships" xmlns:p="http://schemas.openxmlformats.org/presentationml/2006/main">
-  <p:cSld>
-    <p:spTree>
-      <p:nvGrpSpPr>
-        <p:cNvPr id="1" name="Shape 164"/>
-        <p:cNvGrpSpPr/>
-        <p:nvPr/>
-      </p:nvGrpSpPr>
-      <p:grpSpPr>
-        <a:xfrm>
-          <a:off x="0" y="0"/>
-          <a:ext cx="0" cy="0"/>
-          <a:chOff x="0" y="0"/>
-          <a:chExt cx="0" cy="0"/>
-        </a:xfrm>
-      </p:grpSpPr>
-      <p:sp>
-        <p:nvSpPr>
-          <p:cNvPr id="165" name="Google Shape;165;ge284ea0698_0_16"/>
-          <p:cNvSpPr txBox="1"/>
-          <p:nvPr/>
-        </p:nvSpPr>
-        <p:spPr>
-          <a:xfrm>
-            <a:off x="821750" y="303367"/>
-            <a:ext cx="5017800" cy="413100"/>
-          </a:xfrm>
-          <a:prstGeom prst="rect">
-            <a:avLst/>
-          </a:prstGeom>
-          <a:noFill/>
-          <a:ln>
-            <a:noFill/>
-          </a:ln>
-        </p:spPr>
-        <p:txBody>
-          <a:bodyPr spcFirstLastPara="1" wrap="square" lIns="0" tIns="12700" rIns="0" bIns="0" anchor="t" anchorCtr="0">
-            <a:spAutoFit/>
-          </a:bodyPr>
-          <a:lstStyle/>
-          <a:p>
-            <a:pPr marL="12700" lvl="0" indent="0" algn="l" rtl="0">
-              <a:spcBef>
-                <a:spcPts val="0"/>
-              </a:spcBef>
-              <a:spcAft>
-                <a:spcPts val="0"/>
-              </a:spcAft>
-              <a:buNone/>
-            </a:pPr>
-            <a:r>
-              <a:rPr lang="en-US" sz="2600" b="1">
-                <a:solidFill>
-                  <a:srgbClr val="1A1A1A"/>
-                </a:solidFill>
-                <a:latin typeface="Trebuchet MS"/>
-                <a:ea typeface="Trebuchet MS"/>
-                <a:cs typeface="Trebuchet MS"/>
-                <a:sym typeface="Trebuchet MS"/>
-              </a:rPr>
-              <a:t>Discussion &amp; Proposed Solution</a:t>
-            </a:r>
-            <a:endParaRPr sz="2600" b="1">
-              <a:solidFill>
-                <a:srgbClr val="1A1A1A"/>
-              </a:solidFill>
-              <a:latin typeface="Trebuchet MS"/>
-              <a:ea typeface="Trebuchet MS"/>
-              <a:cs typeface="Trebuchet MS"/>
-              <a:sym typeface="Trebuchet MS"/>
-            </a:endParaRPr>
-          </a:p>
-        </p:txBody>
-      </p:sp>
-      <p:pic>
-        <p:nvPicPr>
-          <p:cNvPr id="166" name="Google Shape;166;ge284ea0698_0_16"/>
-          <p:cNvPicPr preferRelativeResize="0"/>
-          <p:nvPr/>
-        </p:nvPicPr>
-        <p:blipFill rotWithShape="1">
-          <a:blip r:embed="rId3">
-            <a:alphaModFix/>
-          </a:blip>
-          <a:srcRect l="15700" t="13386" r="15707" b="13386"/>
-          <a:stretch/>
-        </p:blipFill>
-        <p:spPr>
-          <a:xfrm>
-            <a:off x="1168925" y="1309575"/>
-            <a:ext cx="3066050" cy="3273276"/>
-          </a:xfrm>
-          <a:prstGeom prst="rect">
-            <a:avLst/>
-          </a:prstGeom>
-          <a:noFill/>
-          <a:ln>
-            <a:noFill/>
-          </a:ln>
-        </p:spPr>
-      </p:pic>
-      <p:sp>
-        <p:nvSpPr>
-          <p:cNvPr id="167" name="Google Shape;167;ge284ea0698_0_16"/>
-          <p:cNvSpPr txBox="1"/>
-          <p:nvPr/>
-        </p:nvSpPr>
-        <p:spPr>
-          <a:xfrm>
-            <a:off x="4414345" y="1138875"/>
-            <a:ext cx="4172555" cy="2967479"/>
-          </a:xfrm>
-          <a:prstGeom prst="rect">
-            <a:avLst/>
-          </a:prstGeom>
-          <a:noFill/>
-          <a:ln>
-            <a:noFill/>
-          </a:ln>
-        </p:spPr>
-        <p:txBody>
-          <a:bodyPr spcFirstLastPara="1" wrap="square" lIns="0" tIns="12700" rIns="0" bIns="0" anchor="t" anchorCtr="0">
-            <a:spAutoFit/>
-          </a:bodyPr>
-          <a:lstStyle/>
-          <a:p>
-            <a:pPr marL="43815" lvl="0" indent="0" algn="l" rtl="0">
-              <a:spcBef>
-                <a:spcPts val="0"/>
-              </a:spcBef>
-              <a:spcAft>
-                <a:spcPts val="0"/>
-              </a:spcAft>
-              <a:buNone/>
-            </a:pPr>
-            <a:r>
-              <a:rPr lang="en-US" sz="1600" dirty="0">
-                <a:solidFill>
-                  <a:srgbClr val="595959"/>
-                </a:solidFill>
-                <a:latin typeface="Tahoma"/>
-                <a:ea typeface="Tahoma"/>
-                <a:cs typeface="Tahoma"/>
-                <a:sym typeface="Tahoma"/>
-              </a:rPr>
-              <a:t>Alternative solutions:</a:t>
-            </a:r>
-          </a:p>
-          <a:p>
-            <a:pPr marL="43815" lvl="0" indent="0" algn="l" rtl="0">
-              <a:spcBef>
-                <a:spcPts val="0"/>
-              </a:spcBef>
-              <a:spcAft>
-                <a:spcPts val="0"/>
-              </a:spcAft>
-              <a:buNone/>
-            </a:pPr>
-            <a:endParaRPr lang="en-US" sz="1600" dirty="0">
-              <a:solidFill>
-                <a:srgbClr val="595959"/>
-              </a:solidFill>
-              <a:latin typeface="Tahoma"/>
-              <a:ea typeface="Tahoma"/>
-              <a:cs typeface="Tahoma"/>
-              <a:sym typeface="Tahoma"/>
-            </a:endParaRPr>
-          </a:p>
-          <a:p>
-            <a:pPr marL="43815">
-              <a:buFont typeface="Arial" pitchFamily="34" charset="0"/>
-              <a:buChar char="•"/>
-            </a:pPr>
-            <a:r>
-              <a:rPr lang="en-US" b="1" dirty="0"/>
-              <a:t> Send a confirmation SMS for each transaction</a:t>
-            </a:r>
-          </a:p>
-          <a:p>
-            <a:r>
-              <a:rPr lang="en-US" dirty="0"/>
-              <a:t>	</a:t>
-            </a:r>
-          </a:p>
-          <a:p>
-            <a:pPr>
-              <a:buFont typeface="Arial" pitchFamily="34" charset="0"/>
-              <a:buChar char="•"/>
-            </a:pPr>
-            <a:r>
-              <a:rPr lang="en-US" b="1" dirty="0"/>
-              <a:t>  Limited use card or card with a short expiration date</a:t>
-            </a:r>
-          </a:p>
-          <a:p>
-            <a:pPr lvl="0">
-              <a:buFont typeface="Arial" pitchFamily="34" charset="0"/>
-              <a:buChar char="•"/>
-            </a:pPr>
-            <a:r>
-              <a:rPr lang="en-US" b="1" dirty="0"/>
-              <a:t>Do not put the CVV  of the cryptogram on the card. </a:t>
-            </a:r>
-            <a:r>
-              <a:rPr lang="en-US" dirty="0"/>
-              <a:t>      </a:t>
-            </a:r>
-            <a:r>
-              <a:rPr lang="en-US" sz="1200" dirty="0"/>
-              <a:t>          </a:t>
-            </a:r>
-          </a:p>
-          <a:p>
-            <a:pPr>
-              <a:buFont typeface="Arial" pitchFamily="34" charset="0"/>
-              <a:buChar char="•"/>
-            </a:pPr>
-            <a:endParaRPr lang="en-US" sz="1200" dirty="0"/>
-          </a:p>
-          <a:p>
-            <a:pPr marL="43815" lvl="0" indent="0" algn="l" rtl="0">
-              <a:spcBef>
-                <a:spcPts val="0"/>
-              </a:spcBef>
-              <a:spcAft>
-                <a:spcPts val="0"/>
-              </a:spcAft>
-              <a:buNone/>
-            </a:pPr>
-            <a:endParaRPr lang="en-US" sz="1600" dirty="0">
-              <a:solidFill>
-                <a:srgbClr val="595959"/>
-              </a:solidFill>
-              <a:latin typeface="Tahoma"/>
-              <a:ea typeface="Tahoma"/>
-              <a:cs typeface="Tahoma"/>
-              <a:sym typeface="Tahoma"/>
-            </a:endParaRPr>
-          </a:p>
-          <a:p>
-            <a:pPr marL="43815" lvl="0" indent="0" algn="l" rtl="0">
-              <a:spcBef>
-                <a:spcPts val="0"/>
-              </a:spcBef>
-              <a:spcAft>
-                <a:spcPts val="0"/>
-              </a:spcAft>
-              <a:buNone/>
-            </a:pPr>
-            <a:endParaRPr lang="en-US" sz="1600" dirty="0">
-              <a:solidFill>
-                <a:srgbClr val="595959"/>
-              </a:solidFill>
-              <a:latin typeface="Tahoma"/>
-              <a:ea typeface="Tahoma"/>
-              <a:cs typeface="Tahoma"/>
-              <a:sym typeface="Tahoma"/>
-            </a:endParaRPr>
-          </a:p>
-          <a:p>
-            <a:pPr marL="43815" lvl="0" indent="0" algn="l" rtl="0">
-              <a:spcBef>
-                <a:spcPts val="0"/>
-              </a:spcBef>
-              <a:spcAft>
-                <a:spcPts val="0"/>
-              </a:spcAft>
-              <a:buNone/>
-            </a:pPr>
-            <a:endParaRPr sz="1600" dirty="0">
-              <a:solidFill>
-                <a:srgbClr val="888888"/>
-              </a:solidFill>
-              <a:latin typeface="Tahoma"/>
-              <a:ea typeface="Tahoma"/>
-              <a:cs typeface="Tahoma"/>
-              <a:sym typeface="Tahoma"/>
-            </a:endParaRPr>
-          </a:p>
-          <a:p>
-            <a:pPr marL="457200" lvl="0" indent="0" algn="l" rtl="0">
-              <a:spcBef>
-                <a:spcPts val="0"/>
-              </a:spcBef>
-              <a:spcAft>
-                <a:spcPts val="0"/>
-              </a:spcAft>
-              <a:buNone/>
-            </a:pPr>
-            <a:endParaRPr sz="1600" dirty="0">
-              <a:solidFill>
-                <a:srgbClr val="888888"/>
-              </a:solidFill>
-              <a:latin typeface="Tahoma"/>
-              <a:ea typeface="Tahoma"/>
-              <a:cs typeface="Tahoma"/>
-              <a:sym typeface="Tahoma"/>
-            </a:endParaRPr>
-          </a:p>
-        </p:txBody>
-      </p:sp>
-    </p:spTree>
-  </p:cSld>
-  <p:clrMapOvr>
-    <a:masterClrMapping/>
-  </p:clrMapOvr>
-</p:sld>
-</file>
-
 <file path=ppt/slides/slide2.xml><?xml version="1.0" encoding="utf-8"?>
 <p:sld xmlns:a="http://schemas.openxmlformats.org/drawingml/2006/main" xmlns:r="http://schemas.openxmlformats.org/officeDocument/2006/relationships" xmlns:p="http://schemas.openxmlformats.org/presentationml/2006/main">
   <p:cSld>
@@ -13979,6 +13822,316 @@
 </file>
 
 <file path=ppt/slides/slide20.xml><?xml version="1.0" encoding="utf-8"?>
+<p:sld xmlns:a="http://schemas.openxmlformats.org/drawingml/2006/main" xmlns:r="http://schemas.openxmlformats.org/officeDocument/2006/relationships" xmlns:p="http://schemas.openxmlformats.org/presentationml/2006/main">
+  <p:cSld>
+    <p:spTree>
+      <p:nvGrpSpPr>
+        <p:cNvPr id="1" name="Shape 164"/>
+        <p:cNvGrpSpPr/>
+        <p:nvPr/>
+      </p:nvGrpSpPr>
+      <p:grpSpPr>
+        <a:xfrm>
+          <a:off x="0" y="0"/>
+          <a:ext cx="0" cy="0"/>
+          <a:chOff x="0" y="0"/>
+          <a:chExt cx="0" cy="0"/>
+        </a:xfrm>
+      </p:grpSpPr>
+      <p:sp>
+        <p:nvSpPr>
+          <p:cNvPr id="165" name="Google Shape;165;ge284ea0698_0_16"/>
+          <p:cNvSpPr txBox="1"/>
+          <p:nvPr/>
+        </p:nvSpPr>
+        <p:spPr>
+          <a:xfrm>
+            <a:off x="821750" y="303367"/>
+            <a:ext cx="5017800" cy="413100"/>
+          </a:xfrm>
+          <a:prstGeom prst="rect">
+            <a:avLst/>
+          </a:prstGeom>
+          <a:noFill/>
+          <a:ln>
+            <a:noFill/>
+          </a:ln>
+        </p:spPr>
+        <p:txBody>
+          <a:bodyPr spcFirstLastPara="1" wrap="square" lIns="0" tIns="12700" rIns="0" bIns="0" anchor="t" anchorCtr="0">
+            <a:spAutoFit/>
+          </a:bodyPr>
+          <a:lstStyle/>
+          <a:p>
+            <a:pPr marL="12700" lvl="0" indent="0" algn="l" rtl="0">
+              <a:spcBef>
+                <a:spcPts val="0"/>
+              </a:spcBef>
+              <a:spcAft>
+                <a:spcPts val="0"/>
+              </a:spcAft>
+              <a:buNone/>
+            </a:pPr>
+            <a:r>
+              <a:rPr lang="en-US" sz="2600" b="1">
+                <a:solidFill>
+                  <a:srgbClr val="1A1A1A"/>
+                </a:solidFill>
+                <a:latin typeface="Trebuchet MS"/>
+                <a:ea typeface="Trebuchet MS"/>
+                <a:cs typeface="Trebuchet MS"/>
+                <a:sym typeface="Trebuchet MS"/>
+              </a:rPr>
+              <a:t>Discussion &amp; Proposed Solution</a:t>
+            </a:r>
+            <a:endParaRPr sz="2600" b="1">
+              <a:solidFill>
+                <a:srgbClr val="1A1A1A"/>
+              </a:solidFill>
+              <a:latin typeface="Trebuchet MS"/>
+              <a:ea typeface="Trebuchet MS"/>
+              <a:cs typeface="Trebuchet MS"/>
+              <a:sym typeface="Trebuchet MS"/>
+            </a:endParaRPr>
+          </a:p>
+        </p:txBody>
+      </p:sp>
+      <p:pic>
+        <p:nvPicPr>
+          <p:cNvPr id="166" name="Google Shape;166;ge284ea0698_0_16"/>
+          <p:cNvPicPr preferRelativeResize="0"/>
+          <p:nvPr/>
+        </p:nvPicPr>
+        <p:blipFill rotWithShape="1">
+          <a:blip r:embed="rId3">
+            <a:alphaModFix/>
+          </a:blip>
+          <a:srcRect l="15700" t="13386" r="15707" b="13386"/>
+          <a:stretch/>
+        </p:blipFill>
+        <p:spPr>
+          <a:xfrm>
+            <a:off x="1168925" y="1309575"/>
+            <a:ext cx="3066050" cy="3273276"/>
+          </a:xfrm>
+          <a:prstGeom prst="rect">
+            <a:avLst/>
+          </a:prstGeom>
+          <a:noFill/>
+          <a:ln>
+            <a:noFill/>
+          </a:ln>
+        </p:spPr>
+      </p:pic>
+      <p:sp>
+        <p:nvSpPr>
+          <p:cNvPr id="167" name="Google Shape;167;ge284ea0698_0_16"/>
+          <p:cNvSpPr txBox="1"/>
+          <p:nvPr/>
+        </p:nvSpPr>
+        <p:spPr>
+          <a:xfrm>
+            <a:off x="4414345" y="1138875"/>
+            <a:ext cx="4172555" cy="2967479"/>
+          </a:xfrm>
+          <a:prstGeom prst="rect">
+            <a:avLst/>
+          </a:prstGeom>
+          <a:noFill/>
+          <a:ln>
+            <a:noFill/>
+          </a:ln>
+        </p:spPr>
+        <p:txBody>
+          <a:bodyPr spcFirstLastPara="1" wrap="square" lIns="0" tIns="12700" rIns="0" bIns="0" anchor="t" anchorCtr="0">
+            <a:spAutoFit/>
+          </a:bodyPr>
+          <a:lstStyle/>
+          <a:p>
+            <a:pPr marL="43815" lvl="0" indent="0" algn="l" rtl="0">
+              <a:spcBef>
+                <a:spcPts val="0"/>
+              </a:spcBef>
+              <a:spcAft>
+                <a:spcPts val="0"/>
+              </a:spcAft>
+              <a:buNone/>
+            </a:pPr>
+            <a:r>
+              <a:rPr lang="en-US" sz="1600" dirty="0">
+                <a:solidFill>
+                  <a:srgbClr val="595959"/>
+                </a:solidFill>
+                <a:latin typeface="Tahoma"/>
+                <a:ea typeface="Tahoma"/>
+                <a:cs typeface="Tahoma"/>
+                <a:sym typeface="Tahoma"/>
+              </a:rPr>
+              <a:t>Alternative solutions:</a:t>
+            </a:r>
+          </a:p>
+          <a:p>
+            <a:pPr marL="43815" lvl="0" indent="0" algn="l" rtl="0">
+              <a:spcBef>
+                <a:spcPts val="0"/>
+              </a:spcBef>
+              <a:spcAft>
+                <a:spcPts val="0"/>
+              </a:spcAft>
+              <a:buNone/>
+            </a:pPr>
+            <a:endParaRPr lang="en-US" sz="1600" dirty="0">
+              <a:solidFill>
+                <a:srgbClr val="595959"/>
+              </a:solidFill>
+              <a:latin typeface="Tahoma"/>
+              <a:ea typeface="Tahoma"/>
+              <a:cs typeface="Tahoma"/>
+              <a:sym typeface="Tahoma"/>
+            </a:endParaRPr>
+          </a:p>
+          <a:p>
+            <a:pPr marL="43815">
+              <a:buFont typeface="Arial" pitchFamily="34" charset="0"/>
+              <a:buChar char="•"/>
+            </a:pPr>
+            <a:r>
+              <a:rPr lang="en-US" b="1" dirty="0"/>
+              <a:t> Send a confirmation SMS for each transaction</a:t>
+            </a:r>
+          </a:p>
+          <a:p>
+            <a:r>
+              <a:rPr lang="en-US" dirty="0"/>
+              <a:t>	</a:t>
+            </a:r>
+          </a:p>
+          <a:p>
+            <a:pPr>
+              <a:buFont typeface="Arial" pitchFamily="34" charset="0"/>
+              <a:buChar char="•"/>
+            </a:pPr>
+            <a:r>
+              <a:rPr lang="en-US" b="1" dirty="0"/>
+              <a:t>  Limited use card or card with a short expiration date</a:t>
+            </a:r>
+          </a:p>
+          <a:p>
+            <a:pPr lvl="0">
+              <a:buFont typeface="Arial" pitchFamily="34" charset="0"/>
+              <a:buChar char="•"/>
+            </a:pPr>
+            <a:r>
+              <a:rPr lang="en-US" b="1" dirty="0"/>
+              <a:t>Do not put the CVV  of the cryptogram on the card. </a:t>
+            </a:r>
+            <a:r>
+              <a:rPr lang="en-US" dirty="0"/>
+              <a:t>      </a:t>
+            </a:r>
+            <a:r>
+              <a:rPr lang="en-US" sz="1200" dirty="0"/>
+              <a:t>          </a:t>
+            </a:r>
+          </a:p>
+          <a:p>
+            <a:pPr>
+              <a:buFont typeface="Arial" pitchFamily="34" charset="0"/>
+              <a:buChar char="•"/>
+            </a:pPr>
+            <a:endParaRPr lang="en-US" sz="1200" dirty="0"/>
+          </a:p>
+          <a:p>
+            <a:pPr marL="43815" lvl="0" indent="0" algn="l" rtl="0">
+              <a:spcBef>
+                <a:spcPts val="0"/>
+              </a:spcBef>
+              <a:spcAft>
+                <a:spcPts val="0"/>
+              </a:spcAft>
+              <a:buNone/>
+            </a:pPr>
+            <a:endParaRPr lang="en-US" sz="1600" dirty="0">
+              <a:solidFill>
+                <a:srgbClr val="595959"/>
+              </a:solidFill>
+              <a:latin typeface="Tahoma"/>
+              <a:ea typeface="Tahoma"/>
+              <a:cs typeface="Tahoma"/>
+              <a:sym typeface="Tahoma"/>
+            </a:endParaRPr>
+          </a:p>
+          <a:p>
+            <a:pPr marL="43815" lvl="0" indent="0" algn="l" rtl="0">
+              <a:spcBef>
+                <a:spcPts val="0"/>
+              </a:spcBef>
+              <a:spcAft>
+                <a:spcPts val="0"/>
+              </a:spcAft>
+              <a:buNone/>
+            </a:pPr>
+            <a:endParaRPr lang="en-US" sz="1600" dirty="0">
+              <a:solidFill>
+                <a:srgbClr val="595959"/>
+              </a:solidFill>
+              <a:latin typeface="Tahoma"/>
+              <a:ea typeface="Tahoma"/>
+              <a:cs typeface="Tahoma"/>
+              <a:sym typeface="Tahoma"/>
+            </a:endParaRPr>
+          </a:p>
+          <a:p>
+            <a:pPr marL="43815" lvl="0" indent="0" algn="l" rtl="0">
+              <a:spcBef>
+                <a:spcPts val="0"/>
+              </a:spcBef>
+              <a:spcAft>
+                <a:spcPts val="0"/>
+              </a:spcAft>
+              <a:buNone/>
+            </a:pPr>
+            <a:endParaRPr sz="1600" dirty="0">
+              <a:solidFill>
+                <a:srgbClr val="888888"/>
+              </a:solidFill>
+              <a:latin typeface="Tahoma"/>
+              <a:ea typeface="Tahoma"/>
+              <a:cs typeface="Tahoma"/>
+              <a:sym typeface="Tahoma"/>
+            </a:endParaRPr>
+          </a:p>
+          <a:p>
+            <a:pPr marL="457200" lvl="0" indent="0" algn="l" rtl="0">
+              <a:spcBef>
+                <a:spcPts val="0"/>
+              </a:spcBef>
+              <a:spcAft>
+                <a:spcPts val="0"/>
+              </a:spcAft>
+              <a:buNone/>
+            </a:pPr>
+            <a:endParaRPr sz="1600" dirty="0">
+              <a:solidFill>
+                <a:srgbClr val="888888"/>
+              </a:solidFill>
+              <a:latin typeface="Tahoma"/>
+              <a:ea typeface="Tahoma"/>
+              <a:cs typeface="Tahoma"/>
+              <a:sym typeface="Tahoma"/>
+            </a:endParaRPr>
+          </a:p>
+        </p:txBody>
+      </p:sp>
+    </p:spTree>
+  </p:cSld>
+  <p:clrMapOvr>
+    <a:masterClrMapping/>
+  </p:clrMapOvr>
+</p:sld>
+</file>
+
+<file path=ppt/slides/slide21.xml><?xml version="1.0" encoding="utf-8"?>
 <p:sld xmlns:a="http://schemas.openxmlformats.org/drawingml/2006/main" xmlns:r="http://schemas.openxmlformats.org/officeDocument/2006/relationships" xmlns:p="http://schemas.openxmlformats.org/presentationml/2006/main">
   <p:cSld>
     <p:spTree>
@@ -14086,7 +14239,7 @@
 </p:sld>
 </file>
 
-<file path=ppt/slides/slide21.xml><?xml version="1.0" encoding="utf-8"?>
+<file path=ppt/slides/slide22.xml><?xml version="1.0" encoding="utf-8"?>
 <p:sld xmlns:a="http://schemas.openxmlformats.org/drawingml/2006/main" xmlns:r="http://schemas.openxmlformats.org/officeDocument/2006/relationships" xmlns:p="http://schemas.openxmlformats.org/presentationml/2006/main">
   <p:cSld>
     <p:spTree>
@@ -14364,7 +14517,7 @@
 </p:sld>
 </file>
 
-<file path=ppt/slides/slide22.xml><?xml version="1.0" encoding="utf-8"?>
+<file path=ppt/slides/slide23.xml><?xml version="1.0" encoding="utf-8"?>
 <p:sld xmlns:a="http://schemas.openxmlformats.org/drawingml/2006/main" xmlns:r="http://schemas.openxmlformats.org/officeDocument/2006/relationships" xmlns:p="http://schemas.openxmlformats.org/presentationml/2006/main">
   <p:cSld>
     <p:spTree>
@@ -22233,7 +22386,7 @@
         <p:spPr>
           <a:xfrm>
             <a:off x="821750" y="738981"/>
-            <a:ext cx="7304569" cy="3116907"/>
+            <a:ext cx="7159493" cy="3116907"/>
           </a:xfrm>
           <a:prstGeom prst="rect">
             <a:avLst/>
@@ -22292,7 +22445,7 @@
           <a:p>
             <a:r>
               <a:rPr lang="en-US" dirty="0"/>
-              <a:t>Summary of the transactions</a:t>
+              <a:t>Summary of the fraudulent transactions</a:t>
             </a:r>
           </a:p>
         </p:txBody>
@@ -22309,8 +22462,8 @@
         </p:nvSpPr>
         <p:spPr>
           <a:xfrm>
-            <a:off x="5689407" y="1479209"/>
-            <a:ext cx="2632842" cy="2462213"/>
+            <a:off x="4447821" y="1385212"/>
+            <a:ext cx="4075289" cy="1527321"/>
           </a:xfrm>
         </p:spPr>
         <p:txBody>
@@ -22320,24 +22473,17 @@
             <a:pPr algn="ctr"/>
             <a:r>
               <a:rPr lang="en-US" dirty="0"/>
-              <a:t>The mean of the fraudulent transactions is near 1,21%.</a:t>
-            </a:r>
-          </a:p>
-          <a:p>
-            <a:pPr algn="ctr"/>
-            <a:r>
-              <a:rPr lang="en-US" dirty="0"/>
-              <a:t>The customers of the bank do not spent a lot of money, the mean of their transactions is 31.84 and 50% of the transactions didn’t exceed 26,61    </a:t>
+              <a:t>But the summary table of the fraudulent transactions shows us that Transportation and Food had no cases of fraudulent transactions   . </a:t>
             </a:r>
           </a:p>
         </p:txBody>
       </p:sp>
       <p:pic>
         <p:nvPicPr>
-          <p:cNvPr id="7" name="Picture 6">
+          <p:cNvPr id="5" name="Picture 4">
             <a:extLst>
               <a:ext uri="{FF2B5EF4-FFF2-40B4-BE49-F238E27FC236}">
-                <a16:creationId xmlns:a16="http://schemas.microsoft.com/office/drawing/2014/main" id="{C3652297-6F34-4108-97B2-4D72D1F86154}"/>
+                <a16:creationId xmlns:a16="http://schemas.microsoft.com/office/drawing/2014/main" id="{CEF0F70D-4528-47C8-A3E3-A634E12B807C}"/>
               </a:ext>
             </a:extLst>
           </p:cNvPr>
@@ -22354,38 +22500,8 @@
         </p:blipFill>
         <p:spPr>
           <a:xfrm>
-            <a:off x="606320" y="944128"/>
-            <a:ext cx="4124901" cy="2495898"/>
-          </a:xfrm>
-          <a:prstGeom prst="rect">
-            <a:avLst/>
-          </a:prstGeom>
-        </p:spPr>
-      </p:pic>
-      <p:pic>
-        <p:nvPicPr>
-          <p:cNvPr id="10" name="Picture 9">
-            <a:extLst>
-              <a:ext uri="{FF2B5EF4-FFF2-40B4-BE49-F238E27FC236}">
-                <a16:creationId xmlns:a16="http://schemas.microsoft.com/office/drawing/2014/main" id="{02EF26A1-1B16-478D-8C49-F56A47E6A9CD}"/>
-              </a:ext>
-            </a:extLst>
-          </p:cNvPr>
-          <p:cNvPicPr>
-            <a:picLocks noChangeAspect="1"/>
-          </p:cNvPicPr>
-          <p:nvPr/>
-        </p:nvPicPr>
-        <p:blipFill>
-          <a:blip r:embed="rId3"/>
-          <a:stretch>
-            <a:fillRect/>
-          </a:stretch>
-        </p:blipFill>
-        <p:spPr>
-          <a:xfrm>
-            <a:off x="1900807" y="3440026"/>
-            <a:ext cx="2181529" cy="1609950"/>
+            <a:off x="1082249" y="1119649"/>
+            <a:ext cx="2438740" cy="2705478"/>
           </a:xfrm>
           <a:prstGeom prst="rect">
             <a:avLst/>
@@ -22395,7 +22511,7 @@
     </p:spTree>
     <p:extLst>
       <p:ext uri="{BB962C8B-B14F-4D97-AF65-F5344CB8AC3E}">
-        <p14:creationId xmlns:p14="http://schemas.microsoft.com/office/powerpoint/2010/main" val="3566053333"/>
+        <p14:creationId xmlns:p14="http://schemas.microsoft.com/office/powerpoint/2010/main" val="1052144794"/>
       </p:ext>
     </p:extLst>
   </p:cSld>

--- a/BI Project Presentation .pptx
+++ b/BI Project Presentation .pptx
@@ -307,7 +307,7 @@
       </p15:sldGuideLst>
     </p:ext>
     <p:ext uri="http://customooxmlschemas.google.com/">
-      <go:slidesCustomData xmlns:go="http://customooxmlschemas.google.com/" xmlns:ahyp="http://schemas.microsoft.com/office/drawing/2018/hyperlinkcolor" xmlns:p15="http://schemas.microsoft.com/office/powerpoint/2012/main" xmlns:p14="http://schemas.microsoft.com/office/powerpoint/2010/main" xmlns:com="http://schemas.openxmlformats.org/drawingml/2006/compatibility" xmlns:pvml="urn:schemas-microsoft-com:office:powerpoint" xmlns:v="urn:schemas-microsoft-com:vml" xmlns:o="urn:schemas-microsoft-com:office:office" xmlns:dgm="http://schemas.openxmlformats.org/drawingml/2006/diagram" xmlns:c="http://schemas.openxmlformats.org/drawingml/2006/chart" xmlns:mv="urn:schemas-microsoft-com:mac:vml" xmlns:mc="http://schemas.openxmlformats.org/markup-compatibility/2006" xmlns="" r:id="rId40" roundtripDataSignature="AMtx7miWp6OVRFIEJEE/HXDsa9FfFDJuqg=="/>
+      <go:slidesCustomData xmlns="" xmlns:mc="http://schemas.openxmlformats.org/markup-compatibility/2006" xmlns:mv="urn:schemas-microsoft-com:mac:vml" xmlns:c="http://schemas.openxmlformats.org/drawingml/2006/chart" xmlns:dgm="http://schemas.openxmlformats.org/drawingml/2006/diagram" xmlns:o="urn:schemas-microsoft-com:office:office" xmlns:v="urn:schemas-microsoft-com:vml" xmlns:pvml="urn:schemas-microsoft-com:office:powerpoint" xmlns:com="http://schemas.openxmlformats.org/drawingml/2006/compatibility" xmlns:p14="http://schemas.microsoft.com/office/powerpoint/2010/main" xmlns:p15="http://schemas.microsoft.com/office/powerpoint/2012/main" xmlns:ahyp="http://schemas.microsoft.com/office/drawing/2018/hyperlinkcolor" xmlns:go="http://customooxmlschemas.google.com/" r:id="rId40" roundtripDataSignature="AMtx7miWp6OVRFIEJEE/HXDsa9FfFDJuqg=="/>
     </p:ext>
   </p:extLst>
 </p:presentation>
@@ -6619,7 +6619,7 @@
                 </a:spcAft>
                 <a:buNone/>
               </a:pPr>
-              <a:endParaRPr sz="1800"/>
+              <a:endParaRPr sz="1800" dirty="0"/>
             </a:p>
           </p:txBody>
         </p:sp>
@@ -22214,7 +22214,7 @@
         <p:spPr>
           <a:xfrm>
             <a:off x="4918841" y="1261241"/>
-            <a:ext cx="3425528" cy="2708434"/>
+            <a:ext cx="3425528" cy="2954655"/>
           </a:xfrm>
         </p:spPr>
         <p:txBody>
@@ -22239,7 +22239,7 @@
             <a:pPr algn="ctr"/>
             <a:r>
               <a:rPr lang="en-US" dirty="0"/>
-              <a:t>There was about 7200 fraudulent transactions during the  past 6 months.</a:t>
+              <a:t>There was about 7200 fraudulent transactions during the  past 6 months. It represents 1,2% of the total transactions</a:t>
             </a:r>
           </a:p>
           <a:p>
